--- a/T10.pptx
+++ b/T10.pptx
@@ -5413,16 +5413,12 @@
           <a:p>
             <a:pPr algn="just"/>
             <a:r>
-              <a:rPr lang="en-US" sz="1200">
+              <a:rPr lang="en-US" sz="1200" dirty="0">
                 <a:latin typeface="Times New Roman" pitchFamily="18" charset="0"/>
                 <a:cs typeface="Times New Roman" pitchFamily="18" charset="0"/>
               </a:rPr>
               <a:t>CSS3</a:t>
             </a:r>
-            <a:endParaRPr lang="en-US" sz="1200" dirty="0">
-              <a:latin typeface="Times New Roman" pitchFamily="18" charset="0"/>
-              <a:cs typeface="Times New Roman" pitchFamily="18" charset="0"/>
-            </a:endParaRPr>
           </a:p>
           <a:p>
             <a:pPr algn="just"/>
@@ -5689,7 +5685,7 @@
         </p:nvSpPr>
         <p:spPr>
           <a:xfrm>
-            <a:off x="1743075" y="135652"/>
+            <a:off x="1743074" y="39590"/>
             <a:ext cx="5076826" cy="307777"/>
           </a:xfrm>
         </p:spPr>
@@ -5710,10 +5706,10 @@
       </p:sp>
       <p:pic>
         <p:nvPicPr>
-          <p:cNvPr id="3" name="Picture 2" descr="A picture containing text&#10;&#10;Description automatically generated">
+          <p:cNvPr id="4" name="Picture 3" descr="A close up of text on a white background&#10;&#10;Description automatically generated">
             <a:extLst>
               <a:ext uri="{FF2B5EF4-FFF2-40B4-BE49-F238E27FC236}">
-                <a16:creationId xmlns:a16="http://schemas.microsoft.com/office/drawing/2014/main" id="{85D2AF7C-616C-4176-BAB5-C717424F762F}"/>
+                <a16:creationId xmlns:a16="http://schemas.microsoft.com/office/drawing/2014/main" id="{9FF2E6AD-D4D0-4297-A996-1108B160E052}"/>
               </a:ext>
             </a:extLst>
           </p:cNvPr>
@@ -5729,9 +5725,9 @@
           </a:stretch>
         </p:blipFill>
         <p:spPr>
-          <a:xfrm>
-            <a:off x="2275114" y="555171"/>
-            <a:ext cx="4593772" cy="4256316"/>
+          <a:xfrm rot="5400000">
+            <a:off x="2098412" y="961197"/>
+            <a:ext cx="4366147" cy="3138487"/>
           </a:xfrm>
           <a:prstGeom prst="rect">
             <a:avLst/>
